--- a/AB Testing/AB Testing.pptx
+++ b/AB Testing/AB Testing.pptx
@@ -111,6 +111,11 @@
       </a:defRPr>
     </a:lvl9pPr>
   </p:defaultTextStyle>
+  <p:extLst>
+    <p:ext uri="{EFAFB233-063F-42B5-8137-9DF3F51BA10A}">
+      <p15:sldGuideLst xmlns:p15="http://schemas.microsoft.com/office/powerpoint/2012/main"/>
+    </p:ext>
+  </p:extLst>
 </p:presentation>
 </file>
 
@@ -127,7 +132,7 @@
   <pc:docChgLst>
     <pc:chgData name="Marcelo Alves Pereira" userId="86c29462c141b737" providerId="LiveId" clId="{5DB5E5B4-C6F6-4B26-AFE2-34FD0B8444EF}"/>
     <pc:docChg chg="undo custSel addSld delSld modSld">
-      <pc:chgData name="Marcelo Alves Pereira" userId="86c29462c141b737" providerId="LiveId" clId="{5DB5E5B4-C6F6-4B26-AFE2-34FD0B8444EF}" dt="2021-11-06T17:25:26.826" v="2103" actId="114"/>
+      <pc:chgData name="Marcelo Alves Pereira" userId="86c29462c141b737" providerId="LiveId" clId="{5DB5E5B4-C6F6-4B26-AFE2-34FD0B8444EF}" dt="2021-11-06T18:04:04.854" v="2108" actId="2"/>
       <pc:docMkLst>
         <pc:docMk/>
       </pc:docMkLst>
@@ -162,13 +167,13 @@
         </pc:spChg>
       </pc:sldChg>
       <pc:sldChg chg="modSp mod">
-        <pc:chgData name="Marcelo Alves Pereira" userId="86c29462c141b737" providerId="LiveId" clId="{5DB5E5B4-C6F6-4B26-AFE2-34FD0B8444EF}" dt="2021-11-06T16:07:48.815" v="106" actId="6549"/>
+        <pc:chgData name="Marcelo Alves Pereira" userId="86c29462c141b737" providerId="LiveId" clId="{5DB5E5B4-C6F6-4B26-AFE2-34FD0B8444EF}" dt="2021-11-06T18:03:54.075" v="2104" actId="6549"/>
         <pc:sldMkLst>
           <pc:docMk/>
           <pc:sldMk cId="2881774742" sldId="258"/>
         </pc:sldMkLst>
         <pc:spChg chg="mod">
-          <ac:chgData name="Marcelo Alves Pereira" userId="86c29462c141b737" providerId="LiveId" clId="{5DB5E5B4-C6F6-4B26-AFE2-34FD0B8444EF}" dt="2021-11-06T16:07:48.815" v="106" actId="6549"/>
+          <ac:chgData name="Marcelo Alves Pereira" userId="86c29462c141b737" providerId="LiveId" clId="{5DB5E5B4-C6F6-4B26-AFE2-34FD0B8444EF}" dt="2021-11-06T18:03:54.075" v="2104" actId="6549"/>
           <ac:spMkLst>
             <pc:docMk/>
             <pc:sldMk cId="2881774742" sldId="258"/>
@@ -248,7 +253,7 @@
         </pc:picChg>
       </pc:sldChg>
       <pc:sldChg chg="modSp new mod">
-        <pc:chgData name="Marcelo Alves Pereira" userId="86c29462c141b737" providerId="LiveId" clId="{5DB5E5B4-C6F6-4B26-AFE2-34FD0B8444EF}" dt="2021-11-06T17:04:27.804" v="1292" actId="27636"/>
+        <pc:chgData name="Marcelo Alves Pereira" userId="86c29462c141b737" providerId="LiveId" clId="{5DB5E5B4-C6F6-4B26-AFE2-34FD0B8444EF}" dt="2021-11-06T18:04:04.854" v="2108" actId="2"/>
         <pc:sldMkLst>
           <pc:docMk/>
           <pc:sldMk cId="2752949813" sldId="260"/>
@@ -262,7 +267,7 @@
           </ac:spMkLst>
         </pc:spChg>
         <pc:spChg chg="mod">
-          <ac:chgData name="Marcelo Alves Pereira" userId="86c29462c141b737" providerId="LiveId" clId="{5DB5E5B4-C6F6-4B26-AFE2-34FD0B8444EF}" dt="2021-11-06T17:04:27.804" v="1292" actId="27636"/>
+          <ac:chgData name="Marcelo Alves Pereira" userId="86c29462c141b737" providerId="LiveId" clId="{5DB5E5B4-C6F6-4B26-AFE2-34FD0B8444EF}" dt="2021-11-06T18:04:04.854" v="2108" actId="2"/>
           <ac:spMkLst>
             <pc:docMk/>
             <pc:sldMk cId="2752949813" sldId="260"/>
@@ -610,7 +615,7 @@
               <a:rPr lang="en-US" smtClean="0"/>
               <a:t>11/6/2021</a:t>
             </a:fld>
-            <a:endParaRPr lang="en-US"/>
+            <a:endParaRPr lang="en-US" dirty="0"/>
           </a:p>
         </p:txBody>
       </p:sp>
@@ -629,7 +634,7 @@
           <a:bodyPr/>
           <a:lstStyle/>
           <a:p>
-            <a:endParaRPr lang="en-US"/>
+            <a:endParaRPr lang="en-US" dirty="0"/>
           </a:p>
         </p:txBody>
       </p:sp>
@@ -652,7 +657,7 @@
               <a:rPr lang="en-US" smtClean="0"/>
               <a:t>‹#›</a:t>
             </a:fld>
-            <a:endParaRPr lang="en-US"/>
+            <a:endParaRPr lang="en-US" dirty="0"/>
           </a:p>
         </p:txBody>
       </p:sp>
@@ -817,10 +822,9 @@
           </a:lstStyle>
           <a:p>
             <a:r>
-              <a:rPr lang="en-US"/>
+              <a:rPr lang="en-US" dirty="0"/>
               <a:t>Click icon to add picture</a:t>
             </a:r>
-            <a:endParaRPr lang="en-US" dirty="0"/>
           </a:p>
         </p:txBody>
       </p:sp>
@@ -908,7 +912,7 @@
               <a:rPr lang="en-US" smtClean="0"/>
               <a:t>11/6/2021</a:t>
             </a:fld>
-            <a:endParaRPr lang="en-US"/>
+            <a:endParaRPr lang="en-US" dirty="0"/>
           </a:p>
         </p:txBody>
       </p:sp>
@@ -927,7 +931,7 @@
           <a:bodyPr/>
           <a:lstStyle/>
           <a:p>
-            <a:endParaRPr lang="en-US"/>
+            <a:endParaRPr lang="en-US" dirty="0"/>
           </a:p>
         </p:txBody>
       </p:sp>
@@ -950,7 +954,7 @@
               <a:rPr lang="en-US" smtClean="0"/>
               <a:t>‹#›</a:t>
             </a:fld>
-            <a:endParaRPr lang="en-US"/>
+            <a:endParaRPr lang="en-US" dirty="0"/>
           </a:p>
         </p:txBody>
       </p:sp>
@@ -1100,7 +1104,7 @@
               <a:rPr lang="en-US" smtClean="0"/>
               <a:t>11/6/2021</a:t>
             </a:fld>
-            <a:endParaRPr lang="en-US"/>
+            <a:endParaRPr lang="en-US" dirty="0"/>
           </a:p>
         </p:txBody>
       </p:sp>
@@ -1119,7 +1123,7 @@
           <a:bodyPr/>
           <a:lstStyle/>
           <a:p>
-            <a:endParaRPr lang="en-US"/>
+            <a:endParaRPr lang="en-US" dirty="0"/>
           </a:p>
         </p:txBody>
       </p:sp>
@@ -1142,7 +1146,7 @@
               <a:rPr lang="en-US" smtClean="0"/>
               <a:t>‹#›</a:t>
             </a:fld>
-            <a:endParaRPr lang="en-US"/>
+            <a:endParaRPr lang="en-US" dirty="0"/>
           </a:p>
         </p:txBody>
       </p:sp>
@@ -1361,7 +1365,7 @@
               <a:rPr lang="en-US" smtClean="0"/>
               <a:t>11/6/2021</a:t>
             </a:fld>
-            <a:endParaRPr lang="en-US"/>
+            <a:endParaRPr lang="en-US" dirty="0"/>
           </a:p>
         </p:txBody>
       </p:sp>
@@ -1380,7 +1384,7 @@
           <a:bodyPr/>
           <a:lstStyle/>
           <a:p>
-            <a:endParaRPr lang="en-US"/>
+            <a:endParaRPr lang="en-US" dirty="0"/>
           </a:p>
         </p:txBody>
       </p:sp>
@@ -1403,7 +1407,7 @@
               <a:rPr lang="en-US" smtClean="0"/>
               <a:t>‹#›</a:t>
             </a:fld>
-            <a:endParaRPr lang="en-US"/>
+            <a:endParaRPr lang="en-US" dirty="0"/>
           </a:p>
         </p:txBody>
       </p:sp>
@@ -1785,7 +1789,7 @@
               <a:rPr lang="en-US" smtClean="0"/>
               <a:t>11/6/2021</a:t>
             </a:fld>
-            <a:endParaRPr lang="en-US"/>
+            <a:endParaRPr lang="en-US" dirty="0"/>
           </a:p>
         </p:txBody>
       </p:sp>
@@ -1804,7 +1808,7 @@
           <a:bodyPr/>
           <a:lstStyle/>
           <a:p>
-            <a:endParaRPr lang="en-US"/>
+            <a:endParaRPr lang="en-US" dirty="0"/>
           </a:p>
         </p:txBody>
       </p:sp>
@@ -1827,7 +1831,7 @@
               <a:rPr lang="en-US" smtClean="0"/>
               <a:t>‹#›</a:t>
             </a:fld>
-            <a:endParaRPr lang="en-US"/>
+            <a:endParaRPr lang="en-US" dirty="0"/>
           </a:p>
         </p:txBody>
       </p:sp>
@@ -2322,7 +2326,7 @@
               <a:rPr lang="en-US" smtClean="0"/>
               <a:t>11/6/2021</a:t>
             </a:fld>
-            <a:endParaRPr lang="en-US"/>
+            <a:endParaRPr lang="en-US" dirty="0"/>
           </a:p>
         </p:txBody>
       </p:sp>
@@ -2341,7 +2345,7 @@
           <a:bodyPr/>
           <a:lstStyle/>
           <a:p>
-            <a:endParaRPr lang="en-US"/>
+            <a:endParaRPr lang="en-US" dirty="0"/>
           </a:p>
         </p:txBody>
       </p:sp>
@@ -2364,7 +2368,7 @@
               <a:rPr lang="en-US" smtClean="0"/>
               <a:t>‹#›</a:t>
             </a:fld>
-            <a:endParaRPr lang="en-US"/>
+            <a:endParaRPr lang="en-US" dirty="0"/>
           </a:p>
         </p:txBody>
       </p:sp>
@@ -2659,10 +2663,9 @@
           </a:lstStyle>
           <a:p>
             <a:r>
-              <a:rPr lang="en-US"/>
+              <a:rPr lang="en-US" dirty="0"/>
               <a:t>Click icon to add picture</a:t>
             </a:r>
-            <a:endParaRPr lang="en-US" dirty="0"/>
           </a:p>
         </p:txBody>
       </p:sp>
@@ -2876,10 +2879,9 @@
           </a:lstStyle>
           <a:p>
             <a:r>
-              <a:rPr lang="en-US"/>
+              <a:rPr lang="en-US" dirty="0"/>
               <a:t>Click icon to add picture</a:t>
             </a:r>
-            <a:endParaRPr lang="en-US" dirty="0"/>
           </a:p>
         </p:txBody>
       </p:sp>
@@ -3093,10 +3095,9 @@
           </a:lstStyle>
           <a:p>
             <a:r>
-              <a:rPr lang="en-US"/>
+              <a:rPr lang="en-US" dirty="0"/>
               <a:t>Click icon to add picture</a:t>
             </a:r>
-            <a:endParaRPr lang="en-US" dirty="0"/>
           </a:p>
         </p:txBody>
       </p:sp>
@@ -3186,7 +3187,7 @@
               <a:rPr lang="en-US" smtClean="0"/>
               <a:t>11/6/2021</a:t>
             </a:fld>
-            <a:endParaRPr lang="en-US"/>
+            <a:endParaRPr lang="en-US" dirty="0"/>
           </a:p>
         </p:txBody>
       </p:sp>
@@ -3205,7 +3206,7 @@
           <a:bodyPr/>
           <a:lstStyle/>
           <a:p>
-            <a:endParaRPr lang="en-US"/>
+            <a:endParaRPr lang="en-US" dirty="0"/>
           </a:p>
         </p:txBody>
       </p:sp>
@@ -3228,7 +3229,7 @@
               <a:rPr lang="en-US" smtClean="0"/>
               <a:t>‹#›</a:t>
             </a:fld>
-            <a:endParaRPr lang="en-US"/>
+            <a:endParaRPr lang="en-US" dirty="0"/>
           </a:p>
         </p:txBody>
       </p:sp>
@@ -3356,7 +3357,7 @@
               <a:rPr lang="en-US" smtClean="0"/>
               <a:t>11/6/2021</a:t>
             </a:fld>
-            <a:endParaRPr lang="en-US"/>
+            <a:endParaRPr lang="en-US" dirty="0"/>
           </a:p>
         </p:txBody>
       </p:sp>
@@ -3375,7 +3376,7 @@
           <a:bodyPr/>
           <a:lstStyle/>
           <a:p>
-            <a:endParaRPr lang="en-US"/>
+            <a:endParaRPr lang="en-US" dirty="0"/>
           </a:p>
         </p:txBody>
       </p:sp>
@@ -3398,7 +3399,7 @@
               <a:rPr lang="en-US" smtClean="0"/>
               <a:t>‹#›</a:t>
             </a:fld>
-            <a:endParaRPr lang="en-US"/>
+            <a:endParaRPr lang="en-US" dirty="0"/>
           </a:p>
         </p:txBody>
       </p:sp>
@@ -3540,7 +3541,7 @@
               <a:rPr lang="en-US" smtClean="0"/>
               <a:t>11/6/2021</a:t>
             </a:fld>
-            <a:endParaRPr lang="en-US"/>
+            <a:endParaRPr lang="en-US" dirty="0"/>
           </a:p>
         </p:txBody>
       </p:sp>
@@ -3559,7 +3560,7 @@
           <a:bodyPr/>
           <a:lstStyle/>
           <a:p>
-            <a:endParaRPr lang="en-US"/>
+            <a:endParaRPr lang="en-US" dirty="0"/>
           </a:p>
         </p:txBody>
       </p:sp>
@@ -3582,7 +3583,7 @@
               <a:rPr lang="en-US" smtClean="0"/>
               <a:t>‹#›</a:t>
             </a:fld>
-            <a:endParaRPr lang="en-US"/>
+            <a:endParaRPr lang="en-US" dirty="0"/>
           </a:p>
         </p:txBody>
       </p:sp>
@@ -3710,7 +3711,7 @@
               <a:rPr lang="en-US" smtClean="0"/>
               <a:t>11/6/2021</a:t>
             </a:fld>
-            <a:endParaRPr lang="en-US"/>
+            <a:endParaRPr lang="en-US" dirty="0"/>
           </a:p>
         </p:txBody>
       </p:sp>
@@ -3729,7 +3730,7 @@
           <a:bodyPr/>
           <a:lstStyle/>
           <a:p>
-            <a:endParaRPr lang="en-US"/>
+            <a:endParaRPr lang="en-US" dirty="0"/>
           </a:p>
         </p:txBody>
       </p:sp>
@@ -3752,7 +3753,7 @@
               <a:rPr lang="en-US" smtClean="0"/>
               <a:t>‹#›</a:t>
             </a:fld>
-            <a:endParaRPr lang="en-US"/>
+            <a:endParaRPr lang="en-US" dirty="0"/>
           </a:p>
         </p:txBody>
       </p:sp>
@@ -3954,7 +3955,7 @@
               <a:rPr lang="en-US" smtClean="0"/>
               <a:t>11/6/2021</a:t>
             </a:fld>
-            <a:endParaRPr lang="en-US"/>
+            <a:endParaRPr lang="en-US" dirty="0"/>
           </a:p>
         </p:txBody>
       </p:sp>
@@ -3973,7 +3974,7 @@
           <a:bodyPr/>
           <a:lstStyle/>
           <a:p>
-            <a:endParaRPr lang="en-US"/>
+            <a:endParaRPr lang="en-US" dirty="0"/>
           </a:p>
         </p:txBody>
       </p:sp>
@@ -3996,7 +3997,7 @@
               <a:rPr lang="en-US" smtClean="0"/>
               <a:t>‹#›</a:t>
             </a:fld>
-            <a:endParaRPr lang="en-US"/>
+            <a:endParaRPr lang="en-US" dirty="0"/>
           </a:p>
         </p:txBody>
       </p:sp>
@@ -4190,7 +4191,7 @@
               <a:rPr lang="en-US" smtClean="0"/>
               <a:t>11/6/2021</a:t>
             </a:fld>
-            <a:endParaRPr lang="en-US"/>
+            <a:endParaRPr lang="en-US" dirty="0"/>
           </a:p>
         </p:txBody>
       </p:sp>
@@ -4209,7 +4210,7 @@
           <a:bodyPr/>
           <a:lstStyle/>
           <a:p>
-            <a:endParaRPr lang="en-US"/>
+            <a:endParaRPr lang="en-US" dirty="0"/>
           </a:p>
         </p:txBody>
       </p:sp>
@@ -4232,7 +4233,7 @@
               <a:rPr lang="en-US" smtClean="0"/>
               <a:t>‹#›</a:t>
             </a:fld>
-            <a:endParaRPr lang="en-US"/>
+            <a:endParaRPr lang="en-US" dirty="0"/>
           </a:p>
         </p:txBody>
       </p:sp>
@@ -4656,7 +4657,7 @@
               <a:rPr lang="en-US" smtClean="0"/>
               <a:t>11/6/2021</a:t>
             </a:fld>
-            <a:endParaRPr lang="en-US"/>
+            <a:endParaRPr lang="en-US" dirty="0"/>
           </a:p>
         </p:txBody>
       </p:sp>
@@ -4675,7 +4676,7 @@
           <a:bodyPr/>
           <a:lstStyle/>
           <a:p>
-            <a:endParaRPr lang="en-US"/>
+            <a:endParaRPr lang="en-US" dirty="0"/>
           </a:p>
         </p:txBody>
       </p:sp>
@@ -4698,7 +4699,7 @@
               <a:rPr lang="en-US" smtClean="0"/>
               <a:t>‹#›</a:t>
             </a:fld>
-            <a:endParaRPr lang="en-US"/>
+            <a:endParaRPr lang="en-US" dirty="0"/>
           </a:p>
         </p:txBody>
       </p:sp>
@@ -4774,7 +4775,7 @@
               <a:rPr lang="en-US" smtClean="0"/>
               <a:t>11/6/2021</a:t>
             </a:fld>
-            <a:endParaRPr lang="en-US"/>
+            <a:endParaRPr lang="en-US" dirty="0"/>
           </a:p>
         </p:txBody>
       </p:sp>
@@ -4793,7 +4794,7 @@
           <a:bodyPr/>
           <a:lstStyle/>
           <a:p>
-            <a:endParaRPr lang="en-US"/>
+            <a:endParaRPr lang="en-US" dirty="0"/>
           </a:p>
         </p:txBody>
       </p:sp>
@@ -4816,7 +4817,7 @@
               <a:rPr lang="en-US" smtClean="0"/>
               <a:t>‹#›</a:t>
             </a:fld>
-            <a:endParaRPr lang="en-US"/>
+            <a:endParaRPr lang="en-US" dirty="0"/>
           </a:p>
         </p:txBody>
       </p:sp>
@@ -4869,7 +4870,7 @@
               <a:rPr lang="en-US" smtClean="0"/>
               <a:t>11/6/2021</a:t>
             </a:fld>
-            <a:endParaRPr lang="en-US"/>
+            <a:endParaRPr lang="en-US" dirty="0"/>
           </a:p>
         </p:txBody>
       </p:sp>
@@ -4888,7 +4889,7 @@
           <a:bodyPr/>
           <a:lstStyle/>
           <a:p>
-            <a:endParaRPr lang="en-US"/>
+            <a:endParaRPr lang="en-US" dirty="0"/>
           </a:p>
         </p:txBody>
       </p:sp>
@@ -4911,7 +4912,7 @@
               <a:rPr lang="en-US" smtClean="0"/>
               <a:t>‹#›</a:t>
             </a:fld>
-            <a:endParaRPr lang="en-US"/>
+            <a:endParaRPr lang="en-US" dirty="0"/>
           </a:p>
         </p:txBody>
       </p:sp>
@@ -5124,7 +5125,7 @@
               <a:rPr lang="en-US" smtClean="0"/>
               <a:t>11/6/2021</a:t>
             </a:fld>
-            <a:endParaRPr lang="en-US"/>
+            <a:endParaRPr lang="en-US" dirty="0"/>
           </a:p>
         </p:txBody>
       </p:sp>
@@ -5143,7 +5144,7 @@
           <a:bodyPr/>
           <a:lstStyle/>
           <a:p>
-            <a:endParaRPr lang="en-US"/>
+            <a:endParaRPr lang="en-US" dirty="0"/>
           </a:p>
         </p:txBody>
       </p:sp>
@@ -5166,7 +5167,7 @@
               <a:rPr lang="en-US" smtClean="0"/>
               <a:t>‹#›</a:t>
             </a:fld>
-            <a:endParaRPr lang="en-US"/>
+            <a:endParaRPr lang="en-US" dirty="0"/>
           </a:p>
         </p:txBody>
       </p:sp>
@@ -5331,10 +5332,9 @@
           </a:lstStyle>
           <a:p>
             <a:r>
-              <a:rPr lang="en-US"/>
+              <a:rPr lang="en-US" dirty="0"/>
               <a:t>Click icon to add picture</a:t>
             </a:r>
-            <a:endParaRPr lang="en-US" dirty="0"/>
           </a:p>
         </p:txBody>
       </p:sp>
@@ -5424,7 +5424,7 @@
               <a:rPr lang="en-US" smtClean="0"/>
               <a:t>11/6/2021</a:t>
             </a:fld>
-            <a:endParaRPr lang="en-US"/>
+            <a:endParaRPr lang="en-US" dirty="0"/>
           </a:p>
         </p:txBody>
       </p:sp>
@@ -5443,7 +5443,7 @@
           <a:bodyPr/>
           <a:lstStyle/>
           <a:p>
-            <a:endParaRPr lang="en-US"/>
+            <a:endParaRPr lang="en-US" dirty="0"/>
           </a:p>
         </p:txBody>
       </p:sp>
@@ -5466,7 +5466,7 @@
               <a:rPr lang="en-US" smtClean="0"/>
               <a:t>‹#›</a:t>
             </a:fld>
-            <a:endParaRPr lang="en-US"/>
+            <a:endParaRPr lang="en-US" dirty="0"/>
           </a:p>
         </p:txBody>
       </p:sp>
@@ -5658,7 +5658,7 @@
               <a:rPr lang="en-US" smtClean="0"/>
               <a:t>11/6/2021</a:t>
             </a:fld>
-            <a:endParaRPr lang="en-US"/>
+            <a:endParaRPr lang="en-US" dirty="0"/>
           </a:p>
         </p:txBody>
       </p:sp>
@@ -5702,7 +5702,7 @@
             </a:lvl1pPr>
           </a:lstStyle>
           <a:p>
-            <a:endParaRPr lang="en-US"/>
+            <a:endParaRPr lang="en-US" dirty="0"/>
           </a:p>
         </p:txBody>
       </p:sp>
@@ -5750,7 +5750,7 @@
               <a:rPr lang="en-US" smtClean="0"/>
               <a:t>‹#›</a:t>
             </a:fld>
-            <a:endParaRPr lang="en-US"/>
+            <a:endParaRPr lang="en-US" dirty="0"/>
           </a:p>
         </p:txBody>
       </p:sp>
@@ -6379,7 +6379,7 @@
           <a:bodyPr/>
           <a:lstStyle/>
           <a:p>
-            <a:endParaRPr lang="en-US"/>
+            <a:endParaRPr lang="en-US" dirty="0"/>
           </a:p>
         </p:txBody>
       </p:sp>
@@ -6478,7 +6478,7 @@
           <a:p>
             <a:r>
               <a:rPr lang="en-US" dirty="0"/>
-              <a:t>Strategy to explore multiple one-armed bandits and and exploit the one with the best payout</a:t>
+              <a:t>Strategy to explore multiple one-armed bandits and exploit the one with the best payout</a:t>
             </a:r>
           </a:p>
           <a:p>
@@ -6805,8 +6805,8 @@
           </a:p>
         </p:txBody>
       </p:sp>
-      <mc:AlternateContent xmlns:mc="http://schemas.openxmlformats.org/markup-compatibility/2006">
-        <mc:Choice xmlns:a14="http://schemas.microsoft.com/office/drawing/2010/main" Requires="a14">
+      <mc:AlternateContent xmlns:mc="http://schemas.openxmlformats.org/markup-compatibility/2006" xmlns:a14="http://schemas.microsoft.com/office/drawing/2010/main">
+        <mc:Choice Requires="a14">
           <p:sp>
             <p:nvSpPr>
               <p:cNvPr id="3" name="Content Placeholder 2">
@@ -6854,7 +6854,7 @@
                   <a:t> slot machines. Each time you play a machine </a:t>
                 </a:r>
                 <a:r>
-                  <a:rPr lang="en-US" i="1" dirty="0" err="1"/>
+                  <a:rPr lang="en-US" i="1" dirty="0"/>
                   <a:t>i</a:t>
                 </a:r>
                 <a:r>
@@ -6862,11 +6862,11 @@
                   <a:t>, you count how many times you played that machine </a:t>
                 </a:r>
                 <a:r>
-                  <a:rPr lang="en-US" i="1" dirty="0" err="1"/>
+                  <a:rPr lang="en-US" i="1" dirty="0"/>
                   <a:t>n</a:t>
                 </a:r>
                 <a:r>
-                  <a:rPr lang="en-US" i="1" baseline="-25000" dirty="0" err="1"/>
+                  <a:rPr lang="en-US" i="1" baseline="-25000" dirty="0"/>
                   <a:t>i</a:t>
                 </a:r>
                 <a:r>
@@ -6874,11 +6874,11 @@
                   <a:t> and record the average reward </a:t>
                 </a:r>
                 <a:r>
-                  <a:rPr lang="en-US" i="1" dirty="0" err="1"/>
+                  <a:rPr lang="en-US" i="1" dirty="0"/>
                   <a:t>μ</a:t>
                 </a:r>
                 <a:r>
-                  <a:rPr lang="en-US" i="1" baseline="-25000" dirty="0" err="1"/>
+                  <a:rPr lang="en-US" i="1" baseline="-25000" dirty="0"/>
                   <a:t>i</a:t>
                 </a:r>
                 <a:r>
@@ -7036,16 +7036,12 @@
                   <a:t>Second term will be greater for machines which we played less times (smaller </a:t>
                 </a:r>
                 <a:r>
-                  <a:rPr lang="en-US" i="1" dirty="0" err="1"/>
+                  <a:rPr lang="en-US" i="1" dirty="0"/>
                   <a:t>n</a:t>
                 </a:r>
                 <a:r>
-                  <a:rPr lang="en-US" i="1" baseline="-25000" dirty="0" err="1"/>
-                  <a:t>i</a:t>
-                </a:r>
-                <a:r>
                   <a:rPr lang="en-US" i="1" baseline="-25000" dirty="0"/>
-                  <a:t> </a:t>
+                  <a:t>i </a:t>
                 </a:r>
                 <a:r>
                   <a:rPr lang="en-US" dirty="0"/>
@@ -7061,7 +7057,7 @@
             </p:txBody>
           </p:sp>
         </mc:Choice>
-        <mc:Fallback>
+        <mc:Fallback xmlns="">
           <p:sp>
             <p:nvSpPr>
               <p:cNvPr id="3" name="Content Placeholder 2">
